--- a/Cellendipity Sandbox p5js.pptx
+++ b/Cellendipity Sandbox p5js.pptx
@@ -9,6 +9,7 @@
     <p:sldId id="257" r:id="rId3"/>
     <p:sldId id="258" r:id="rId4"/>
     <p:sldId id="259" r:id="rId5"/>
+    <p:sldId id="260" r:id="rId6"/>
   </p:sldIdLst>
   <p:sldSz cx="12192000" cy="6858000"/>
   <p:notesSz cx="6858000" cy="9144000"/>
@@ -107,6 +108,11 @@
       </a:defRPr>
     </a:lvl9pPr>
   </p:defaultTextStyle>
+  <p:extLst>
+    <p:ext uri="{EFAFB233-063F-42B5-8137-9DF3F51BA10A}">
+      <p15:sldGuideLst xmlns:p15="http://schemas.microsoft.com/office/powerpoint/2012/main"/>
+    </p:ext>
+  </p:extLst>
 </p:presentation>
 </file>
 
@@ -2986,7 +2992,6 @@
               <a:rPr lang="nb-NO"/>
               <a:t>Cellendipity Sandbox p5*js</a:t>
             </a:r>
-            <a:endParaRPr lang="nb-NO"/>
           </a:p>
         </p:txBody>
       </p:sp>
@@ -3009,7 +3014,6 @@
               <a:rPr lang="nb-NO"/>
               <a:t>GUI design work</a:t>
             </a:r>
-            <a:endParaRPr lang="nb-NO"/>
           </a:p>
         </p:txBody>
       </p:sp>
@@ -3062,7 +3066,6 @@
               <a:rPr lang="nb-NO"/>
               <a:t>What do I like to choose?</a:t>
             </a:r>
-            <a:endParaRPr lang="nb-NO"/>
           </a:p>
         </p:txBody>
       </p:sp>
@@ -3161,7 +3164,6 @@
               <a:rPr lang="nb-NO"/>
               <a:t>What do I expect a mouseClick to do?</a:t>
             </a:r>
-            <a:endParaRPr lang="nb-NO"/>
           </a:p>
         </p:txBody>
       </p:sp>
@@ -3184,7 +3186,6 @@
               <a:rPr lang="nb-NO"/>
               <a:t>Interact with the GUI / menu (outside the image)</a:t>
             </a:r>
-            <a:endParaRPr lang="nb-NO"/>
           </a:p>
         </p:txBody>
       </p:sp>
@@ -3237,7 +3238,6 @@
               <a:rPr lang="nb-NO"/>
               <a:t>What irritates me?</a:t>
             </a:r>
-            <a:endParaRPr lang="nb-NO"/>
           </a:p>
         </p:txBody>
       </p:sp>
@@ -3284,7 +3284,6 @@
               <a:rPr lang="nb-NO"/>
               <a:t>When I can’t remember where a menu-item is hidden &amp; have to dig</a:t>
             </a:r>
-            <a:endParaRPr lang="nb-NO"/>
           </a:p>
         </p:txBody>
       </p:sp>
@@ -3292,6 +3291,96 @@
     <p:extLst>
       <p:ext uri="{BB962C8B-B14F-4D97-AF65-F5344CB8AC3E}">
         <p14:creationId xmlns:p14="http://schemas.microsoft.com/office/powerpoint/2010/main" val="2575960743"/>
+      </p:ext>
+    </p:extLst>
+  </p:cSld>
+  <p:clrMapOvr>
+    <a:masterClrMapping/>
+  </p:clrMapOvr>
+</p:sld>
+</file>
+
+<file path=ppt/slides/slide5.xml><?xml version="1.0" encoding="utf-8"?>
+<p:sld xmlns:a="http://schemas.openxmlformats.org/drawingml/2006/main" xmlns:r="http://schemas.openxmlformats.org/officeDocument/2006/relationships" xmlns:p="http://schemas.openxmlformats.org/presentationml/2006/main">
+  <p:cSld>
+    <p:spTree>
+      <p:nvGrpSpPr>
+        <p:cNvPr id="1" name=""/>
+        <p:cNvGrpSpPr/>
+        <p:nvPr/>
+      </p:nvGrpSpPr>
+      <p:grpSpPr>
+        <a:xfrm>
+          <a:off x="0" y="0"/>
+          <a:ext cx="0" cy="0"/>
+          <a:chOff x="0" y="0"/>
+          <a:chExt cx="0" cy="0"/>
+        </a:xfrm>
+      </p:grpSpPr>
+      <p:sp>
+        <p:nvSpPr>
+          <p:cNvPr id="2" name="Title 1"/>
+          <p:cNvSpPr>
+            <a:spLocks noGrp="1"/>
+          </p:cNvSpPr>
+          <p:nvPr>
+            <p:ph type="title"/>
+          </p:nvPr>
+        </p:nvSpPr>
+        <p:spPr/>
+        <p:txBody>
+          <a:bodyPr/>
+          <a:lstStyle/>
+          <a:p>
+            <a:endParaRPr lang="nb-NO"/>
+          </a:p>
+        </p:txBody>
+      </p:sp>
+      <p:sp>
+        <p:nvSpPr>
+          <p:cNvPr id="3" name="Content Placeholder 2"/>
+          <p:cNvSpPr>
+            <a:spLocks noGrp="1"/>
+          </p:cNvSpPr>
+          <p:nvPr>
+            <p:ph idx="1"/>
+          </p:nvPr>
+        </p:nvSpPr>
+        <p:spPr/>
+        <p:txBody>
+          <a:bodyPr/>
+          <a:lstStyle/>
+          <a:p>
+            <a:r>
+              <a:rPr lang="nb-NO"/>
+              <a:t>Background</a:t>
+            </a:r>
+          </a:p>
+          <a:p>
+            <a:r>
+              <a:rPr lang="nb-NO"/>
+              <a:t>Nucleus</a:t>
+            </a:r>
+          </a:p>
+          <a:p>
+            <a:r>
+              <a:rPr lang="nb-NO"/>
+              <a:t>Fill</a:t>
+            </a:r>
+          </a:p>
+          <a:p>
+            <a:r>
+              <a:rPr lang="nb-NO"/>
+              <a:t>Stroke</a:t>
+            </a:r>
+            <a:endParaRPr lang="nb-NO"/>
+          </a:p>
+        </p:txBody>
+      </p:sp>
+    </p:spTree>
+    <p:extLst>
+      <p:ext uri="{BB962C8B-B14F-4D97-AF65-F5344CB8AC3E}">
+        <p14:creationId xmlns:p14="http://schemas.microsoft.com/office/powerpoint/2010/main" val="1057926760"/>
       </p:ext>
     </p:extLst>
   </p:cSld>

--- a/Cellendipity Sandbox p5js.pptx
+++ b/Cellendipity Sandbox p5js.pptx
@@ -10,6 +10,7 @@
     <p:sldId id="258" r:id="rId4"/>
     <p:sldId id="259" r:id="rId5"/>
     <p:sldId id="260" r:id="rId6"/>
+    <p:sldId id="261" r:id="rId7"/>
   </p:sldIdLst>
   <p:sldSz cx="12192000" cy="6858000"/>
   <p:notesSz cx="6858000" cy="9144000"/>
@@ -247,7 +248,7 @@
           <a:p>
             <a:fld id="{84F77577-A05B-450C-8D96-35FBB9069E68}" type="datetimeFigureOut">
               <a:rPr lang="nb-NO" smtClean="0"/>
-              <a:t>04.12.2016</a:t>
+              <a:t>06.12.2016</a:t>
             </a:fld>
             <a:endParaRPr lang="nb-NO"/>
           </a:p>
@@ -417,7 +418,7 @@
           <a:p>
             <a:fld id="{84F77577-A05B-450C-8D96-35FBB9069E68}" type="datetimeFigureOut">
               <a:rPr lang="nb-NO" smtClean="0"/>
-              <a:t>04.12.2016</a:t>
+              <a:t>06.12.2016</a:t>
             </a:fld>
             <a:endParaRPr lang="nb-NO"/>
           </a:p>
@@ -597,7 +598,7 @@
           <a:p>
             <a:fld id="{84F77577-A05B-450C-8D96-35FBB9069E68}" type="datetimeFigureOut">
               <a:rPr lang="nb-NO" smtClean="0"/>
-              <a:t>04.12.2016</a:t>
+              <a:t>06.12.2016</a:t>
             </a:fld>
             <a:endParaRPr lang="nb-NO"/>
           </a:p>
@@ -767,7 +768,7 @@
           <a:p>
             <a:fld id="{84F77577-A05B-450C-8D96-35FBB9069E68}" type="datetimeFigureOut">
               <a:rPr lang="nb-NO" smtClean="0"/>
-              <a:t>04.12.2016</a:t>
+              <a:t>06.12.2016</a:t>
             </a:fld>
             <a:endParaRPr lang="nb-NO"/>
           </a:p>
@@ -1013,7 +1014,7 @@
           <a:p>
             <a:fld id="{84F77577-A05B-450C-8D96-35FBB9069E68}" type="datetimeFigureOut">
               <a:rPr lang="nb-NO" smtClean="0"/>
-              <a:t>04.12.2016</a:t>
+              <a:t>06.12.2016</a:t>
             </a:fld>
             <a:endParaRPr lang="nb-NO"/>
           </a:p>
@@ -1245,7 +1246,7 @@
           <a:p>
             <a:fld id="{84F77577-A05B-450C-8D96-35FBB9069E68}" type="datetimeFigureOut">
               <a:rPr lang="nb-NO" smtClean="0"/>
-              <a:t>04.12.2016</a:t>
+              <a:t>06.12.2016</a:t>
             </a:fld>
             <a:endParaRPr lang="nb-NO"/>
           </a:p>
@@ -1612,7 +1613,7 @@
           <a:p>
             <a:fld id="{84F77577-A05B-450C-8D96-35FBB9069E68}" type="datetimeFigureOut">
               <a:rPr lang="nb-NO" smtClean="0"/>
-              <a:t>04.12.2016</a:t>
+              <a:t>06.12.2016</a:t>
             </a:fld>
             <a:endParaRPr lang="nb-NO"/>
           </a:p>
@@ -1730,7 +1731,7 @@
           <a:p>
             <a:fld id="{84F77577-A05B-450C-8D96-35FBB9069E68}" type="datetimeFigureOut">
               <a:rPr lang="nb-NO" smtClean="0"/>
-              <a:t>04.12.2016</a:t>
+              <a:t>06.12.2016</a:t>
             </a:fld>
             <a:endParaRPr lang="nb-NO"/>
           </a:p>
@@ -1825,7 +1826,7 @@
           <a:p>
             <a:fld id="{84F77577-A05B-450C-8D96-35FBB9069E68}" type="datetimeFigureOut">
               <a:rPr lang="nb-NO" smtClean="0"/>
-              <a:t>04.12.2016</a:t>
+              <a:t>06.12.2016</a:t>
             </a:fld>
             <a:endParaRPr lang="nb-NO"/>
           </a:p>
@@ -2102,7 +2103,7 @@
           <a:p>
             <a:fld id="{84F77577-A05B-450C-8D96-35FBB9069E68}" type="datetimeFigureOut">
               <a:rPr lang="nb-NO" smtClean="0"/>
-              <a:t>04.12.2016</a:t>
+              <a:t>06.12.2016</a:t>
             </a:fld>
             <a:endParaRPr lang="nb-NO"/>
           </a:p>
@@ -2355,7 +2356,7 @@
           <a:p>
             <a:fld id="{84F77577-A05B-450C-8D96-35FBB9069E68}" type="datetimeFigureOut">
               <a:rPr lang="nb-NO" smtClean="0"/>
-              <a:t>04.12.2016</a:t>
+              <a:t>06.12.2016</a:t>
             </a:fld>
             <a:endParaRPr lang="nb-NO"/>
           </a:p>
@@ -2568,7 +2569,7 @@
           <a:p>
             <a:fld id="{84F77577-A05B-450C-8D96-35FBB9069E68}" type="datetimeFigureOut">
               <a:rPr lang="nb-NO" smtClean="0"/>
-              <a:t>04.12.2016</a:t>
+              <a:t>06.12.2016</a:t>
             </a:fld>
             <a:endParaRPr lang="nb-NO"/>
           </a:p>
@@ -3373,7 +3374,6 @@
               <a:rPr lang="nb-NO"/>
               <a:t>Stroke</a:t>
             </a:r>
-            <a:endParaRPr lang="nb-NO"/>
           </a:p>
         </p:txBody>
       </p:sp>
@@ -3381,6 +3381,144 @@
     <p:extLst>
       <p:ext uri="{BB962C8B-B14F-4D97-AF65-F5344CB8AC3E}">
         <p14:creationId xmlns:p14="http://schemas.microsoft.com/office/powerpoint/2010/main" val="1057926760"/>
+      </p:ext>
+    </p:extLst>
+  </p:cSld>
+  <p:clrMapOvr>
+    <a:masterClrMapping/>
+  </p:clrMapOvr>
+</p:sld>
+</file>
+
+<file path=ppt/slides/slide6.xml><?xml version="1.0" encoding="utf-8"?>
+<p:sld xmlns:a="http://schemas.openxmlformats.org/drawingml/2006/main" xmlns:r="http://schemas.openxmlformats.org/officeDocument/2006/relationships" xmlns:p="http://schemas.openxmlformats.org/presentationml/2006/main">
+  <p:cSld>
+    <p:spTree>
+      <p:nvGrpSpPr>
+        <p:cNvPr id="1" name=""/>
+        <p:cNvGrpSpPr/>
+        <p:nvPr/>
+      </p:nvGrpSpPr>
+      <p:grpSpPr>
+        <a:xfrm>
+          <a:off x="0" y="0"/>
+          <a:ext cx="0" cy="0"/>
+          <a:chOff x="0" y="0"/>
+          <a:chExt cx="0" cy="0"/>
+        </a:xfrm>
+      </p:grpSpPr>
+      <p:sp>
+        <p:nvSpPr>
+          <p:cNvPr id="2" name="Title 1"/>
+          <p:cNvSpPr>
+            <a:spLocks noGrp="1"/>
+          </p:cNvSpPr>
+          <p:nvPr>
+            <p:ph type="title"/>
+          </p:nvPr>
+        </p:nvSpPr>
+        <p:spPr/>
+        <p:txBody>
+          <a:bodyPr/>
+          <a:lstStyle/>
+          <a:p>
+            <a:endParaRPr lang="nb-NO"/>
+          </a:p>
+        </p:txBody>
+      </p:sp>
+      <p:sp>
+        <p:nvSpPr>
+          <p:cNvPr id="3" name="Content Placeholder 2"/>
+          <p:cNvSpPr>
+            <a:spLocks noGrp="1"/>
+          </p:cNvSpPr>
+          <p:nvPr>
+            <p:ph idx="1"/>
+          </p:nvPr>
+        </p:nvSpPr>
+        <p:spPr/>
+        <p:txBody>
+          <a:bodyPr/>
+          <a:lstStyle/>
+          <a:p>
+            <a:endParaRPr lang="nb-NO"/>
+          </a:p>
+        </p:txBody>
+      </p:sp>
+      <p:pic>
+        <p:nvPicPr>
+          <p:cNvPr id="4" name="Picture 3"/>
+          <p:cNvPicPr>
+            <a:picLocks noChangeAspect="1"/>
+          </p:cNvPicPr>
+          <p:nvPr/>
+        </p:nvPicPr>
+        <p:blipFill>
+          <a:blip r:embed="rId2"/>
+          <a:stretch>
+            <a:fillRect/>
+          </a:stretch>
+        </p:blipFill>
+        <p:spPr>
+          <a:xfrm>
+            <a:off x="519112" y="334963"/>
+            <a:ext cx="2924175" cy="4229100"/>
+          </a:xfrm>
+          <a:prstGeom prst="rect">
+            <a:avLst/>
+          </a:prstGeom>
+        </p:spPr>
+      </p:pic>
+      <p:pic>
+        <p:nvPicPr>
+          <p:cNvPr id="5" name="Picture 4"/>
+          <p:cNvPicPr>
+            <a:picLocks noChangeAspect="1"/>
+          </p:cNvPicPr>
+          <p:nvPr/>
+        </p:nvPicPr>
+        <p:blipFill rotWithShape="1">
+          <a:blip r:embed="rId3"/>
+          <a:srcRect b="58942"/>
+          <a:stretch/>
+        </p:blipFill>
+        <p:spPr>
+          <a:xfrm>
+            <a:off x="4375239" y="334963"/>
+            <a:ext cx="2916000" cy="4367028"/>
+          </a:xfrm>
+          <a:prstGeom prst="rect">
+            <a:avLst/>
+          </a:prstGeom>
+        </p:spPr>
+      </p:pic>
+      <p:pic>
+        <p:nvPicPr>
+          <p:cNvPr id="6" name="Picture 5"/>
+          <p:cNvPicPr>
+            <a:picLocks noChangeAspect="1"/>
+          </p:cNvPicPr>
+          <p:nvPr/>
+        </p:nvPicPr>
+        <p:blipFill rotWithShape="1">
+          <a:blip r:embed="rId3"/>
+          <a:srcRect t="40706"/>
+          <a:stretch/>
+        </p:blipFill>
+        <p:spPr>
+          <a:xfrm>
+            <a:off x="7453720" y="334955"/>
+            <a:ext cx="2916000" cy="6306588"/>
+          </a:xfrm>
+          <a:prstGeom prst="rect">
+            <a:avLst/>
+          </a:prstGeom>
+        </p:spPr>
+      </p:pic>
+    </p:spTree>
+    <p:extLst>
+      <p:ext uri="{BB962C8B-B14F-4D97-AF65-F5344CB8AC3E}">
+        <p14:creationId xmlns:p14="http://schemas.microsoft.com/office/powerpoint/2010/main" val="1708797236"/>
       </p:ext>
     </p:extLst>
   </p:cSld>
